--- a/Verteidigung/Affective_Speech_Synthesis_Presentation.pptx
+++ b/Verteidigung/Affective_Speech_Synthesis_Presentation.pptx
@@ -5,38 +5,41 @@
     <p:sldMasterId id="2147483891" r:id="rId1"/>
   </p:sldMasterIdLst>
   <p:notesMasterIdLst>
-    <p:notesMasterId r:id="rId18"/>
+    <p:notesMasterId r:id="rId21"/>
   </p:notesMasterIdLst>
   <p:handoutMasterIdLst>
-    <p:handoutMasterId r:id="rId19"/>
+    <p:handoutMasterId r:id="rId22"/>
   </p:handoutMasterIdLst>
   <p:sldIdLst>
     <p:sldId id="256" r:id="rId2"/>
     <p:sldId id="278" r:id="rId3"/>
     <p:sldId id="271" r:id="rId4"/>
     <p:sldId id="300" r:id="rId5"/>
-    <p:sldId id="292" r:id="rId6"/>
-    <p:sldId id="315" r:id="rId7"/>
-    <p:sldId id="316" r:id="rId8"/>
-    <p:sldId id="317" r:id="rId9"/>
-    <p:sldId id="318" r:id="rId10"/>
-    <p:sldId id="320" r:id="rId11"/>
-    <p:sldId id="321" r:id="rId12"/>
-    <p:sldId id="322" r:id="rId13"/>
-    <p:sldId id="299" r:id="rId14"/>
-    <p:sldId id="314" r:id="rId15"/>
-    <p:sldId id="273" r:id="rId16"/>
-    <p:sldId id="307" r:id="rId17"/>
+    <p:sldId id="323" r:id="rId6"/>
+    <p:sldId id="324" r:id="rId7"/>
+    <p:sldId id="292" r:id="rId8"/>
+    <p:sldId id="315" r:id="rId9"/>
+    <p:sldId id="316" r:id="rId10"/>
+    <p:sldId id="317" r:id="rId11"/>
+    <p:sldId id="318" r:id="rId12"/>
+    <p:sldId id="320" r:id="rId13"/>
+    <p:sldId id="321" r:id="rId14"/>
+    <p:sldId id="322" r:id="rId15"/>
+    <p:sldId id="325" r:id="rId16"/>
+    <p:sldId id="299" r:id="rId17"/>
+    <p:sldId id="314" r:id="rId18"/>
+    <p:sldId id="273" r:id="rId19"/>
+    <p:sldId id="307" r:id="rId20"/>
   </p:sldIdLst>
   <p:sldSz cx="12192000" cy="6858000"/>
   <p:notesSz cx="6858000" cy="9144000"/>
   <p:embeddedFontLst>
     <p:embeddedFont>
       <p:font typeface="Open Sans" panose="020B0606030504020204" pitchFamily="34" charset="0"/>
-      <p:regular r:id="rId20"/>
-      <p:bold r:id="rId21"/>
-      <p:italic r:id="rId22"/>
-      <p:boldItalic r:id="rId23"/>
+      <p:regular r:id="rId23"/>
+      <p:bold r:id="rId24"/>
+      <p:italic r:id="rId25"/>
+      <p:boldItalic r:id="rId26"/>
     </p:embeddedFont>
   </p:embeddedFontLst>
   <p:defaultTextStyle>
@@ -853,6 +856,114 @@
         <p:cNvPr id="1" name="">
           <a:extLst>
             <a:ext uri="{FF2B5EF4-FFF2-40B4-BE49-F238E27FC236}">
+              <a16:creationId xmlns:a16="http://schemas.microsoft.com/office/drawing/2014/main" id="{BF0A2CB8-ADE4-6F65-3E06-4F45383549A6}"/>
+            </a:ext>
+          </a:extLst>
+        </p:cNvPr>
+        <p:cNvGrpSpPr/>
+        <p:nvPr/>
+      </p:nvGrpSpPr>
+      <p:grpSpPr>
+        <a:xfrm>
+          <a:off x="0" y="0"/>
+          <a:ext cx="0" cy="0"/>
+          <a:chOff x="0" y="0"/>
+          <a:chExt cx="0" cy="0"/>
+        </a:xfrm>
+      </p:grpSpPr>
+      <p:sp>
+        <p:nvSpPr>
+          <p:cNvPr id="2" name="Folienbildplatzhalter 1">
+            <a:extLst>
+              <a:ext uri="{FF2B5EF4-FFF2-40B4-BE49-F238E27FC236}">
+                <a16:creationId xmlns:a16="http://schemas.microsoft.com/office/drawing/2014/main" id="{444FFB51-A97D-97B7-8F4D-3C8037554B7E}"/>
+              </a:ext>
+            </a:extLst>
+          </p:cNvPr>
+          <p:cNvSpPr>
+            <a:spLocks noGrp="1" noRot="1" noChangeAspect="1"/>
+          </p:cNvSpPr>
+          <p:nvPr>
+            <p:ph type="sldImg"/>
+          </p:nvPr>
+        </p:nvSpPr>
+        <p:spPr/>
+      </p:sp>
+      <p:sp>
+        <p:nvSpPr>
+          <p:cNvPr id="3" name="Notizenplatzhalter 2">
+            <a:extLst>
+              <a:ext uri="{FF2B5EF4-FFF2-40B4-BE49-F238E27FC236}">
+                <a16:creationId xmlns:a16="http://schemas.microsoft.com/office/drawing/2014/main" id="{87143F7C-6A8B-F991-C7A1-5C511E0ED67A}"/>
+              </a:ext>
+            </a:extLst>
+          </p:cNvPr>
+          <p:cNvSpPr>
+            <a:spLocks noGrp="1"/>
+          </p:cNvSpPr>
+          <p:nvPr>
+            <p:ph type="body" idx="1"/>
+          </p:nvPr>
+        </p:nvSpPr>
+        <p:spPr/>
+        <p:txBody>
+          <a:bodyPr/>
+          <a:lstStyle/>
+          <a:p>
+            <a:endParaRPr lang="de-DE" dirty="0"/>
+          </a:p>
+        </p:txBody>
+      </p:sp>
+      <p:sp>
+        <p:nvSpPr>
+          <p:cNvPr id="4" name="Foliennummernplatzhalter 3">
+            <a:extLst>
+              <a:ext uri="{FF2B5EF4-FFF2-40B4-BE49-F238E27FC236}">
+                <a16:creationId xmlns:a16="http://schemas.microsoft.com/office/drawing/2014/main" id="{10305617-596C-1121-A310-A653BD1974A8}"/>
+              </a:ext>
+            </a:extLst>
+          </p:cNvPr>
+          <p:cNvSpPr>
+            <a:spLocks noGrp="1"/>
+          </p:cNvSpPr>
+          <p:nvPr>
+            <p:ph type="sldNum" sz="quarter" idx="5"/>
+          </p:nvPr>
+        </p:nvSpPr>
+        <p:spPr/>
+        <p:txBody>
+          <a:bodyPr/>
+          <a:lstStyle/>
+          <a:p>
+            <a:fld id="{2969AC09-DF60-43F4-96BF-67D4D9A74094}" type="slidenum">
+              <a:rPr lang="de-DE" smtClean="0"/>
+              <a:t>6</a:t>
+            </a:fld>
+            <a:endParaRPr lang="de-DE"/>
+          </a:p>
+        </p:txBody>
+      </p:sp>
+    </p:spTree>
+    <p:extLst>
+      <p:ext uri="{BB962C8B-B14F-4D97-AF65-F5344CB8AC3E}">
+        <p14:creationId xmlns:p14="http://schemas.microsoft.com/office/powerpoint/2010/main" val="35289790"/>
+      </p:ext>
+    </p:extLst>
+  </p:cSld>
+  <p:clrMapOvr>
+    <a:masterClrMapping/>
+  </p:clrMapOvr>
+</p:notes>
+</file>
+
+<file path=ppt/notesSlides/notesSlide4.xml><?xml version="1.0" encoding="utf-8"?>
+<p:notes xmlns:a="http://schemas.openxmlformats.org/drawingml/2006/main" xmlns:r="http://schemas.openxmlformats.org/officeDocument/2006/relationships" xmlns:p="http://schemas.openxmlformats.org/presentationml/2006/main">
+  <p:cSld>
+    <p:spTree>
+      <p:nvGrpSpPr>
+        <p:cNvPr id="1" name="">
+          <a:extLst>
+            <a:ext uri="{FF2B5EF4-FFF2-40B4-BE49-F238E27FC236}">
               <a16:creationId xmlns:a16="http://schemas.microsoft.com/office/drawing/2014/main" id="{E8EF07A4-D967-BB1C-ED76-6EEBF2D82245}"/>
             </a:ext>
           </a:extLst>
@@ -934,7 +1045,7 @@
           <a:p>
             <a:fld id="{2969AC09-DF60-43F4-96BF-67D4D9A74094}" type="slidenum">
               <a:rPr lang="de-DE" smtClean="0"/>
-              <a:t>7</a:t>
+              <a:t>9</a:t>
             </a:fld>
             <a:endParaRPr lang="de-DE"/>
           </a:p>
@@ -953,7 +1064,7 @@
 </p:notes>
 </file>
 
-<file path=ppt/notesSlides/notesSlide4.xml><?xml version="1.0" encoding="utf-8"?>
+<file path=ppt/notesSlides/notesSlide5.xml><?xml version="1.0" encoding="utf-8"?>
 <p:notes xmlns:a="http://schemas.openxmlformats.org/drawingml/2006/main" xmlns:r="http://schemas.openxmlformats.org/officeDocument/2006/relationships" xmlns:p="http://schemas.openxmlformats.org/presentationml/2006/main">
   <p:cSld>
     <p:spTree>
@@ -1042,7 +1153,7 @@
           <a:p>
             <a:fld id="{2969AC09-DF60-43F4-96BF-67D4D9A74094}" type="slidenum">
               <a:rPr lang="de-DE" smtClean="0"/>
-              <a:t>8</a:t>
+              <a:t>10</a:t>
             </a:fld>
             <a:endParaRPr lang="de-DE"/>
           </a:p>
@@ -1052,90 +1163,6 @@
     <p:extLst>
       <p:ext uri="{BB962C8B-B14F-4D97-AF65-F5344CB8AC3E}">
         <p14:creationId xmlns:p14="http://schemas.microsoft.com/office/powerpoint/2010/main" val="2905343485"/>
-      </p:ext>
-    </p:extLst>
-  </p:cSld>
-  <p:clrMapOvr>
-    <a:masterClrMapping/>
-  </p:clrMapOvr>
-</p:notes>
-</file>
-
-<file path=ppt/notesSlides/notesSlide5.xml><?xml version="1.0" encoding="utf-8"?>
-<p:notes xmlns:a="http://schemas.openxmlformats.org/drawingml/2006/main" xmlns:r="http://schemas.openxmlformats.org/officeDocument/2006/relationships" xmlns:p="http://schemas.openxmlformats.org/presentationml/2006/main">
-  <p:cSld>
-    <p:spTree>
-      <p:nvGrpSpPr>
-        <p:cNvPr id="1" name=""/>
-        <p:cNvGrpSpPr/>
-        <p:nvPr/>
-      </p:nvGrpSpPr>
-      <p:grpSpPr>
-        <a:xfrm>
-          <a:off x="0" y="0"/>
-          <a:ext cx="0" cy="0"/>
-          <a:chOff x="0" y="0"/>
-          <a:chExt cx="0" cy="0"/>
-        </a:xfrm>
-      </p:grpSpPr>
-      <p:sp>
-        <p:nvSpPr>
-          <p:cNvPr id="2" name="Folienbildplatzhalter 1"/>
-          <p:cNvSpPr>
-            <a:spLocks noGrp="1" noRot="1" noChangeAspect="1"/>
-          </p:cNvSpPr>
-          <p:nvPr>
-            <p:ph type="sldImg"/>
-          </p:nvPr>
-        </p:nvSpPr>
-        <p:spPr/>
-      </p:sp>
-      <p:sp>
-        <p:nvSpPr>
-          <p:cNvPr id="3" name="Notizenplatzhalter 2"/>
-          <p:cNvSpPr>
-            <a:spLocks noGrp="1"/>
-          </p:cNvSpPr>
-          <p:nvPr>
-            <p:ph type="body" idx="1"/>
-          </p:nvPr>
-        </p:nvSpPr>
-        <p:spPr/>
-        <p:txBody>
-          <a:bodyPr/>
-          <a:lstStyle/>
-          <a:p>
-            <a:endParaRPr lang="de-DE" dirty="0"/>
-          </a:p>
-        </p:txBody>
-      </p:sp>
-      <p:sp>
-        <p:nvSpPr>
-          <p:cNvPr id="4" name="Foliennummernplatzhalter 3"/>
-          <p:cNvSpPr>
-            <a:spLocks noGrp="1"/>
-          </p:cNvSpPr>
-          <p:nvPr>
-            <p:ph type="sldNum" sz="quarter" idx="5"/>
-          </p:nvPr>
-        </p:nvSpPr>
-        <p:spPr/>
-        <p:txBody>
-          <a:bodyPr/>
-          <a:lstStyle/>
-          <a:p>
-            <a:fld id="{2969AC09-DF60-43F4-96BF-67D4D9A74094}" type="slidenum">
-              <a:rPr lang="de-DE" smtClean="0"/>
-              <a:t>14</a:t>
-            </a:fld>
-            <a:endParaRPr lang="de-DE"/>
-          </a:p>
-        </p:txBody>
-      </p:sp>
-    </p:spTree>
-    <p:extLst>
-      <p:ext uri="{BB962C8B-B14F-4D97-AF65-F5344CB8AC3E}">
-        <p14:creationId xmlns:p14="http://schemas.microsoft.com/office/powerpoint/2010/main" val="380070181"/>
       </p:ext>
     </p:extLst>
   </p:cSld>
@@ -1210,7 +1237,91 @@
           <a:p>
             <a:fld id="{2969AC09-DF60-43F4-96BF-67D4D9A74094}" type="slidenum">
               <a:rPr lang="de-DE" smtClean="0"/>
-              <a:t>16</a:t>
+              <a:t>17</a:t>
+            </a:fld>
+            <a:endParaRPr lang="de-DE"/>
+          </a:p>
+        </p:txBody>
+      </p:sp>
+    </p:spTree>
+    <p:extLst>
+      <p:ext uri="{BB962C8B-B14F-4D97-AF65-F5344CB8AC3E}">
+        <p14:creationId xmlns:p14="http://schemas.microsoft.com/office/powerpoint/2010/main" val="380070181"/>
+      </p:ext>
+    </p:extLst>
+  </p:cSld>
+  <p:clrMapOvr>
+    <a:masterClrMapping/>
+  </p:clrMapOvr>
+</p:notes>
+</file>
+
+<file path=ppt/notesSlides/notesSlide7.xml><?xml version="1.0" encoding="utf-8"?>
+<p:notes xmlns:a="http://schemas.openxmlformats.org/drawingml/2006/main" xmlns:r="http://schemas.openxmlformats.org/officeDocument/2006/relationships" xmlns:p="http://schemas.openxmlformats.org/presentationml/2006/main">
+  <p:cSld>
+    <p:spTree>
+      <p:nvGrpSpPr>
+        <p:cNvPr id="1" name=""/>
+        <p:cNvGrpSpPr/>
+        <p:nvPr/>
+      </p:nvGrpSpPr>
+      <p:grpSpPr>
+        <a:xfrm>
+          <a:off x="0" y="0"/>
+          <a:ext cx="0" cy="0"/>
+          <a:chOff x="0" y="0"/>
+          <a:chExt cx="0" cy="0"/>
+        </a:xfrm>
+      </p:grpSpPr>
+      <p:sp>
+        <p:nvSpPr>
+          <p:cNvPr id="2" name="Folienbildplatzhalter 1"/>
+          <p:cNvSpPr>
+            <a:spLocks noGrp="1" noRot="1" noChangeAspect="1"/>
+          </p:cNvSpPr>
+          <p:nvPr>
+            <p:ph type="sldImg"/>
+          </p:nvPr>
+        </p:nvSpPr>
+        <p:spPr/>
+      </p:sp>
+      <p:sp>
+        <p:nvSpPr>
+          <p:cNvPr id="3" name="Notizenplatzhalter 2"/>
+          <p:cNvSpPr>
+            <a:spLocks noGrp="1"/>
+          </p:cNvSpPr>
+          <p:nvPr>
+            <p:ph type="body" idx="1"/>
+          </p:nvPr>
+        </p:nvSpPr>
+        <p:spPr/>
+        <p:txBody>
+          <a:bodyPr/>
+          <a:lstStyle/>
+          <a:p>
+            <a:endParaRPr lang="de-DE" dirty="0"/>
+          </a:p>
+        </p:txBody>
+      </p:sp>
+      <p:sp>
+        <p:nvSpPr>
+          <p:cNvPr id="4" name="Foliennummernplatzhalter 3"/>
+          <p:cNvSpPr>
+            <a:spLocks noGrp="1"/>
+          </p:cNvSpPr>
+          <p:nvPr>
+            <p:ph type="sldNum" sz="quarter" idx="5"/>
+          </p:nvPr>
+        </p:nvSpPr>
+        <p:spPr/>
+        <p:txBody>
+          <a:bodyPr/>
+          <a:lstStyle/>
+          <a:p>
+            <a:fld id="{2969AC09-DF60-43F4-96BF-67D4D9A74094}" type="slidenum">
+              <a:rPr lang="de-DE" smtClean="0"/>
+              <a:t>19</a:t>
             </a:fld>
             <a:endParaRPr lang="de-DE"/>
           </a:p>
@@ -4305,6 +4416,287 @@
   <p:cSld>
     <p:spTree>
       <p:nvGrpSpPr>
+        <p:cNvPr id="1" name="">
+          <a:extLst>
+            <a:ext uri="{FF2B5EF4-FFF2-40B4-BE49-F238E27FC236}">
+              <a16:creationId xmlns:a16="http://schemas.microsoft.com/office/drawing/2014/main" id="{59D2934A-11BC-1329-DD97-549CBF993533}"/>
+            </a:ext>
+          </a:extLst>
+        </p:cNvPr>
+        <p:cNvGrpSpPr/>
+        <p:nvPr/>
+      </p:nvGrpSpPr>
+      <p:grpSpPr>
+        <a:xfrm>
+          <a:off x="0" y="0"/>
+          <a:ext cx="0" cy="0"/>
+          <a:chOff x="0" y="0"/>
+          <a:chExt cx="0" cy="0"/>
+        </a:xfrm>
+      </p:grpSpPr>
+      <p:sp>
+        <p:nvSpPr>
+          <p:cNvPr id="3" name="Titel 2">
+            <a:extLst>
+              <a:ext uri="{FF2B5EF4-FFF2-40B4-BE49-F238E27FC236}">
+                <a16:creationId xmlns:a16="http://schemas.microsoft.com/office/drawing/2014/main" id="{B2AD6459-0E86-A795-7DDF-7D11017B1F33}"/>
+              </a:ext>
+            </a:extLst>
+          </p:cNvPr>
+          <p:cNvSpPr>
+            <a:spLocks noGrp="1"/>
+          </p:cNvSpPr>
+          <p:nvPr>
+            <p:ph type="title"/>
+          </p:nvPr>
+        </p:nvSpPr>
+        <p:spPr/>
+        <p:txBody>
+          <a:bodyPr/>
+          <a:lstStyle/>
+          <a:p>
+            <a:r>
+              <a:rPr lang="en-US" dirty="0"/>
+              <a:t>Emotional Speech Audios</a:t>
+            </a:r>
+            <a:br>
+              <a:rPr lang="en-US" noProof="0" dirty="0"/>
+            </a:br>
+            <a:endParaRPr lang="en-US" b="0" noProof="0" dirty="0"/>
+          </a:p>
+        </p:txBody>
+      </p:sp>
+      <p:sp>
+        <p:nvSpPr>
+          <p:cNvPr id="2" name="Inhaltsplatzhalter 1">
+            <a:extLst>
+              <a:ext uri="{FF2B5EF4-FFF2-40B4-BE49-F238E27FC236}">
+                <a16:creationId xmlns:a16="http://schemas.microsoft.com/office/drawing/2014/main" id="{8EE5F78C-293E-196B-9FC1-38AF8B74961A}"/>
+              </a:ext>
+            </a:extLst>
+          </p:cNvPr>
+          <p:cNvSpPr>
+            <a:spLocks noGrp="1"/>
+          </p:cNvSpPr>
+          <p:nvPr>
+            <p:ph sz="quarter" idx="10"/>
+          </p:nvPr>
+        </p:nvSpPr>
+        <p:spPr>
+          <a:xfrm>
+            <a:off x="874711" y="1484313"/>
+            <a:ext cx="10580688" cy="4344987"/>
+          </a:xfrm>
+        </p:spPr>
+        <p:txBody>
+          <a:bodyPr/>
+          <a:lstStyle/>
+          <a:p>
+            <a:r>
+              <a:rPr lang="en-US" noProof="0" dirty="0"/>
+              <a:t>Source:</a:t>
+            </a:r>
+          </a:p>
+          <a:p>
+            <a:pPr marL="285750" indent="-285750">
+              <a:buFont typeface="Symbol" panose="05050102010706020507" pitchFamily="18" charset="2"/>
+              <a:buChar char="-"/>
+            </a:pPr>
+            <a:r>
+              <a:rPr lang="en-US" noProof="0" dirty="0"/>
+              <a:t>Saravia et al.: CREMA-D (Crowd-sourced Emotional Multimodal Actors Dataset)</a:t>
+            </a:r>
+          </a:p>
+          <a:p>
+            <a:pPr marL="285750" indent="-285750">
+              <a:buFont typeface="Symbol" panose="05050102010706020507" pitchFamily="18" charset="2"/>
+              <a:buChar char="-"/>
+            </a:pPr>
+            <a:r>
+              <a:rPr lang="en-US" dirty="0"/>
+              <a:t>Dataset: </a:t>
+            </a:r>
+            <a:r>
+              <a:rPr lang="en-US" i="1" dirty="0">
+                <a:hlinkClick r:id="rId4"/>
+              </a:rPr>
+              <a:t>https://github.com/CheyneyComputerScience/CREMA-D</a:t>
+            </a:r>
+            <a:endParaRPr lang="en-US" i="1" dirty="0"/>
+          </a:p>
+          <a:p>
+            <a:endParaRPr lang="en-US" i="1" noProof="0" dirty="0"/>
+          </a:p>
+          <a:p>
+            <a:r>
+              <a:rPr lang="en-US" noProof="0" dirty="0"/>
+              <a:t>Content:</a:t>
+            </a:r>
+          </a:p>
+          <a:p>
+            <a:pPr marL="285750" indent="-285750">
+              <a:buFont typeface="Symbol" panose="05050102010706020507" pitchFamily="18" charset="2"/>
+              <a:buChar char="-"/>
+            </a:pPr>
+            <a:r>
+              <a:rPr lang="en-US" dirty="0"/>
+              <a:t>7442 emotion bearing sentences with annotated emotion</a:t>
+            </a:r>
+          </a:p>
+          <a:p>
+            <a:pPr marL="285750" indent="-285750">
+              <a:buFont typeface="Symbol" panose="05050102010706020507" pitchFamily="18" charset="2"/>
+              <a:buChar char="-"/>
+            </a:pPr>
+            <a:r>
+              <a:rPr lang="en-US" dirty="0"/>
+              <a:t>emotions: anger, disgust, fear, happy, neutral and sad</a:t>
+            </a:r>
+          </a:p>
+          <a:p>
+            <a:pPr marL="285750" indent="-285750">
+              <a:buFont typeface="Symbol" panose="05050102010706020507" pitchFamily="18" charset="2"/>
+              <a:buChar char="-"/>
+            </a:pPr>
+            <a:r>
+              <a:rPr lang="en-US" dirty="0"/>
+              <a:t>wav files</a:t>
+            </a:r>
+          </a:p>
+        </p:txBody>
+      </p:sp>
+    </p:spTree>
+    <p:custDataLst>
+      <p:tags r:id="rId1"/>
+    </p:custDataLst>
+    <p:extLst>
+      <p:ext uri="{BB962C8B-B14F-4D97-AF65-F5344CB8AC3E}">
+        <p14:creationId xmlns:p14="http://schemas.microsoft.com/office/powerpoint/2010/main" val="2199220915"/>
+      </p:ext>
+    </p:extLst>
+  </p:cSld>
+  <p:clrMapOvr>
+    <a:masterClrMapping/>
+  </p:clrMapOvr>
+  <mc:AlternateContent xmlns:mc="http://schemas.openxmlformats.org/markup-compatibility/2006" xmlns:p14="http://schemas.microsoft.com/office/powerpoint/2010/main">
+    <mc:Choice Requires="p14">
+      <p:transition spd="med" p14:dur="700">
+        <p:fade/>
+      </p:transition>
+    </mc:Choice>
+    <mc:Fallback xmlns="">
+      <p:transition spd="med">
+        <p:fade/>
+      </p:transition>
+    </mc:Fallback>
+  </mc:AlternateContent>
+</p:sld>
+</file>
+
+<file path=ppt/slides/slide11.xml><?xml version="1.0" encoding="utf-8"?>
+<p:sld xmlns:a="http://schemas.openxmlformats.org/drawingml/2006/main" xmlns:r="http://schemas.openxmlformats.org/officeDocument/2006/relationships" xmlns:p="http://schemas.openxmlformats.org/presentationml/2006/main">
+  <p:cSld>
+    <p:spTree>
+      <p:nvGrpSpPr>
+        <p:cNvPr id="1" name="">
+          <a:extLst>
+            <a:ext uri="{FF2B5EF4-FFF2-40B4-BE49-F238E27FC236}">
+              <a16:creationId xmlns:a16="http://schemas.microsoft.com/office/drawing/2014/main" id="{AC43037C-86F3-F951-6085-2535CF887174}"/>
+            </a:ext>
+          </a:extLst>
+        </p:cNvPr>
+        <p:cNvGrpSpPr/>
+        <p:nvPr/>
+      </p:nvGrpSpPr>
+      <p:grpSpPr>
+        <a:xfrm>
+          <a:off x="0" y="0"/>
+          <a:ext cx="0" cy="0"/>
+          <a:chOff x="0" y="0"/>
+          <a:chExt cx="0" cy="0"/>
+        </a:xfrm>
+      </p:grpSpPr>
+      <p:sp>
+        <p:nvSpPr>
+          <p:cNvPr id="2" name="Titel 1">
+            <a:extLst>
+              <a:ext uri="{FF2B5EF4-FFF2-40B4-BE49-F238E27FC236}">
+                <a16:creationId xmlns:a16="http://schemas.microsoft.com/office/drawing/2014/main" id="{51B2D735-329B-7365-6971-B908746DEFEC}"/>
+              </a:ext>
+            </a:extLst>
+          </p:cNvPr>
+          <p:cNvSpPr>
+            <a:spLocks noGrp="1"/>
+          </p:cNvSpPr>
+          <p:nvPr>
+            <p:ph type="title"/>
+          </p:nvPr>
+        </p:nvSpPr>
+        <p:spPr/>
+        <p:txBody>
+          <a:bodyPr/>
+          <a:lstStyle/>
+          <a:p>
+            <a:pPr lvl="5"/>
+            <a:r>
+              <a:rPr lang="en-US" sz="3600" b="1" noProof="0" dirty="0">
+                <a:solidFill>
+                  <a:schemeClr val="bg1"/>
+                </a:solidFill>
+                <a:latin typeface="+mj-lt"/>
+              </a:rPr>
+              <a:t> Preprocessing</a:t>
+            </a:r>
+            <a:br>
+              <a:rPr lang="en-US" sz="3600" b="1" noProof="0" dirty="0">
+                <a:solidFill>
+                  <a:schemeClr val="bg1"/>
+                </a:solidFill>
+                <a:latin typeface="+mj-lt"/>
+              </a:rPr>
+            </a:br>
+            <a:endParaRPr lang="en-US" sz="3600" noProof="0" dirty="0">
+              <a:solidFill>
+                <a:schemeClr val="bg1"/>
+              </a:solidFill>
+              <a:latin typeface="+mj-lt"/>
+            </a:endParaRPr>
+          </a:p>
+        </p:txBody>
+      </p:sp>
+    </p:spTree>
+    <p:custDataLst>
+      <p:tags r:id="rId1"/>
+    </p:custDataLst>
+    <p:extLst>
+      <p:ext uri="{BB962C8B-B14F-4D97-AF65-F5344CB8AC3E}">
+        <p14:creationId xmlns:p14="http://schemas.microsoft.com/office/powerpoint/2010/main" val="54798825"/>
+      </p:ext>
+    </p:extLst>
+  </p:cSld>
+  <p:clrMapOvr>
+    <a:masterClrMapping/>
+  </p:clrMapOvr>
+  <mc:AlternateContent xmlns:mc="http://schemas.openxmlformats.org/markup-compatibility/2006" xmlns:p14="http://schemas.microsoft.com/office/powerpoint/2010/main">
+    <mc:Choice Requires="p14">
+      <p:transition spd="med" p14:dur="700">
+        <p:fade/>
+      </p:transition>
+    </mc:Choice>
+    <mc:Fallback xmlns="">
+      <p:transition spd="med">
+        <p:fade/>
+      </p:transition>
+    </mc:Fallback>
+  </mc:AlternateContent>
+</p:sld>
+</file>
+
+<file path=ppt/slides/slide12.xml><?xml version="1.0" encoding="utf-8"?>
+<p:sld xmlns:a="http://schemas.openxmlformats.org/drawingml/2006/main" xmlns:r="http://schemas.openxmlformats.org/officeDocument/2006/relationships" xmlns:p="http://schemas.openxmlformats.org/presentationml/2006/main">
+  <p:cSld>
+    <p:spTree>
+      <p:nvGrpSpPr>
         <p:cNvPr id="1" name=""/>
         <p:cNvGrpSpPr/>
         <p:nvPr/>
@@ -4530,7 +4922,7 @@
 </p:sld>
 </file>
 
-<file path=ppt/slides/slide11.xml><?xml version="1.0" encoding="utf-8"?>
+<file path=ppt/slides/slide13.xml><?xml version="1.0" encoding="utf-8"?>
 <p:sld xmlns:a="http://schemas.openxmlformats.org/drawingml/2006/main" xmlns:r="http://schemas.openxmlformats.org/officeDocument/2006/relationships" xmlns:p="http://schemas.openxmlformats.org/presentationml/2006/main">
   <p:cSld>
     <p:spTree>
@@ -4930,7 +5322,7 @@
 </p:sld>
 </file>
 
-<file path=ppt/slides/slide12.xml><?xml version="1.0" encoding="utf-8"?>
+<file path=ppt/slides/slide14.xml><?xml version="1.0" encoding="utf-8"?>
 <p:sld xmlns:a="http://schemas.openxmlformats.org/drawingml/2006/main" xmlns:r="http://schemas.openxmlformats.org/officeDocument/2006/relationships" xmlns:p="http://schemas.openxmlformats.org/presentationml/2006/main">
   <p:cSld>
     <p:spTree>
@@ -5317,6 +5709,248 @@
           </a:fontRef>
         </p:style>
       </p:cxnSp>
+      <p:sp>
+        <p:nvSpPr>
+          <p:cNvPr id="5" name="Inhaltsplatzhalter 2">
+            <a:extLst>
+              <a:ext uri="{FF2B5EF4-FFF2-40B4-BE49-F238E27FC236}">
+                <a16:creationId xmlns:a16="http://schemas.microsoft.com/office/drawing/2014/main" id="{CABEEE37-EFE2-113F-24ED-9C41CD4B4E72}"/>
+              </a:ext>
+            </a:extLst>
+          </p:cNvPr>
+          <p:cNvSpPr txBox="1">
+            <a:spLocks/>
+          </p:cNvSpPr>
+          <p:nvPr/>
+        </p:nvSpPr>
+        <p:spPr>
+          <a:xfrm>
+            <a:off x="874711" y="4490520"/>
+            <a:ext cx="10580688" cy="1338780"/>
+          </a:xfrm>
+          <a:prstGeom prst="rect">
+            <a:avLst/>
+          </a:prstGeom>
+        </p:spPr>
+        <p:txBody>
+          <a:bodyPr/>
+          <a:lstStyle>
+            <a:lvl1pPr marL="0" indent="0" algn="l" defTabSz="914269" rtl="0" eaLnBrk="1" latinLnBrk="0" hangingPunct="1">
+              <a:spcBef>
+                <a:spcPts val="600"/>
+              </a:spcBef>
+              <a:buFont typeface="Arial" panose="020B0604020202020204" pitchFamily="34" charset="0"/>
+              <a:buNone/>
+              <a:defRPr sz="1600" kern="1200">
+                <a:solidFill>
+                  <a:schemeClr val="tx2"/>
+                </a:solidFill>
+                <a:latin typeface="Open Sans" panose="020B0606030504020204" pitchFamily="34" charset="0"/>
+                <a:ea typeface="+mn-ea"/>
+                <a:cs typeface="+mn-cs"/>
+              </a:defRPr>
+            </a:lvl1pPr>
+            <a:lvl2pPr marL="395942" indent="-323953" algn="l" defTabSz="914269" rtl="0" eaLnBrk="1" latinLnBrk="0" hangingPunct="1">
+              <a:spcBef>
+                <a:spcPts val="300"/>
+              </a:spcBef>
+              <a:buFont typeface="Open Sans" panose="020B0606030504020204" pitchFamily="34" charset="0"/>
+              <a:buChar char="—"/>
+              <a:defRPr sz="1600" kern="1200">
+                <a:solidFill>
+                  <a:schemeClr val="tx2"/>
+                </a:solidFill>
+                <a:latin typeface="Open Sans" panose="020B0606030504020204" pitchFamily="34" charset="0"/>
+                <a:ea typeface="+mn-ea"/>
+                <a:cs typeface="+mn-cs"/>
+              </a:defRPr>
+            </a:lvl2pPr>
+            <a:lvl3pPr marL="0" indent="0" algn="l" defTabSz="914269" rtl="0" eaLnBrk="1" latinLnBrk="0" hangingPunct="1">
+              <a:spcBef>
+                <a:spcPts val="600"/>
+              </a:spcBef>
+              <a:buFont typeface="Arial" panose="020B0604020202020204" pitchFamily="34" charset="0"/>
+              <a:buNone/>
+              <a:defRPr sz="1400" kern="1200">
+                <a:solidFill>
+                  <a:schemeClr val="tx2"/>
+                </a:solidFill>
+                <a:latin typeface="Open Sans" panose="020B0606030504020204" pitchFamily="34" charset="0"/>
+                <a:ea typeface="+mn-ea"/>
+                <a:cs typeface="+mn-cs"/>
+              </a:defRPr>
+            </a:lvl3pPr>
+            <a:lvl4pPr marL="395942" indent="-215969" algn="l" defTabSz="914269" rtl="0" eaLnBrk="1" latinLnBrk="0" hangingPunct="1">
+              <a:spcBef>
+                <a:spcPts val="300"/>
+              </a:spcBef>
+              <a:buFont typeface="Symbol" panose="05050102010706020507" pitchFamily="18" charset="2"/>
+              <a:buChar char="-"/>
+              <a:defRPr sz="1400" kern="1200">
+                <a:solidFill>
+                  <a:schemeClr val="tx2"/>
+                </a:solidFill>
+                <a:latin typeface="Open Sans" panose="020B0606030504020204" pitchFamily="34" charset="0"/>
+                <a:ea typeface="+mn-ea"/>
+                <a:cs typeface="+mn-cs"/>
+              </a:defRPr>
+            </a:lvl4pPr>
+            <a:lvl5pPr marL="575916" indent="-179362" algn="l" defTabSz="914269" rtl="0" eaLnBrk="1" latinLnBrk="0" hangingPunct="1">
+              <a:spcBef>
+                <a:spcPts val="300"/>
+              </a:spcBef>
+              <a:buFont typeface="Symbol" panose="05050102010706020507" pitchFamily="18" charset="2"/>
+              <a:buChar char="-"/>
+              <a:defRPr sz="1400" kern="1200" baseline="0">
+                <a:solidFill>
+                  <a:schemeClr val="tx2"/>
+                </a:solidFill>
+                <a:latin typeface="Open Sans" panose="020B0606030504020204" pitchFamily="34" charset="0"/>
+                <a:ea typeface="+mn-ea"/>
+                <a:cs typeface="+mn-cs"/>
+              </a:defRPr>
+            </a:lvl5pPr>
+            <a:lvl6pPr marL="358723" indent="0" algn="l" defTabSz="914269" rtl="0" eaLnBrk="1" latinLnBrk="0" hangingPunct="1">
+              <a:spcBef>
+                <a:spcPts val="0"/>
+              </a:spcBef>
+              <a:buFont typeface="Arial" panose="020B0604020202020204" pitchFamily="34" charset="0"/>
+              <a:buNone/>
+              <a:defRPr sz="3200" b="1" kern="1200">
+                <a:solidFill>
+                  <a:schemeClr val="bg1"/>
+                </a:solidFill>
+                <a:latin typeface="+mn-lt"/>
+                <a:ea typeface="+mn-ea"/>
+                <a:cs typeface="+mn-cs"/>
+              </a:defRPr>
+            </a:lvl6pPr>
+            <a:lvl7pPr marL="358723" indent="0" algn="l" defTabSz="914269" rtl="0" eaLnBrk="1" latinLnBrk="0" hangingPunct="1">
+              <a:spcBef>
+                <a:spcPts val="0"/>
+              </a:spcBef>
+              <a:buFont typeface="Arial" panose="020B0604020202020204" pitchFamily="34" charset="0"/>
+              <a:buNone/>
+              <a:defRPr sz="3200" kern="1200">
+                <a:solidFill>
+                  <a:schemeClr val="bg1"/>
+                </a:solidFill>
+                <a:latin typeface="+mn-lt"/>
+                <a:ea typeface="+mn-ea"/>
+                <a:cs typeface="+mn-cs"/>
+              </a:defRPr>
+            </a:lvl7pPr>
+            <a:lvl8pPr marL="3428502" indent="-228566" algn="l" defTabSz="914269" rtl="0" eaLnBrk="1" latinLnBrk="0" hangingPunct="1">
+              <a:spcBef>
+                <a:spcPct val="20000"/>
+              </a:spcBef>
+              <a:buFont typeface="Arial" panose="020B0604020202020204" pitchFamily="34" charset="0"/>
+              <a:buChar char="•"/>
+              <a:defRPr sz="2000" kern="1200">
+                <a:solidFill>
+                  <a:schemeClr val="tx1"/>
+                </a:solidFill>
+                <a:latin typeface="+mn-lt"/>
+                <a:ea typeface="+mn-ea"/>
+                <a:cs typeface="+mn-cs"/>
+              </a:defRPr>
+            </a:lvl8pPr>
+            <a:lvl9pPr marL="3885635" indent="-228566" algn="l" defTabSz="914269" rtl="0" eaLnBrk="1" latinLnBrk="0" hangingPunct="1">
+              <a:spcBef>
+                <a:spcPct val="20000"/>
+              </a:spcBef>
+              <a:buFont typeface="Arial" panose="020B0604020202020204" pitchFamily="34" charset="0"/>
+              <a:buChar char="•"/>
+              <a:defRPr sz="2000" kern="1200">
+                <a:solidFill>
+                  <a:schemeClr val="tx1"/>
+                </a:solidFill>
+                <a:latin typeface="+mn-lt"/>
+                <a:ea typeface="+mn-ea"/>
+                <a:cs typeface="+mn-cs"/>
+              </a:defRPr>
+            </a:lvl9pPr>
+          </a:lstStyle>
+          <a:p>
+            <a:pPr marL="285750" indent="-285750">
+              <a:buFont typeface="Symbol" panose="05050102010706020507" pitchFamily="18" charset="2"/>
+              <a:buChar char="-"/>
+            </a:pPr>
+            <a:r>
+              <a:rPr lang="de-DE" dirty="0" err="1"/>
+              <a:t>remove</a:t>
+            </a:r>
+            <a:r>
+              <a:rPr lang="de-DE" dirty="0"/>
+              <a:t> </a:t>
+            </a:r>
+            <a:r>
+              <a:rPr lang="de-DE" dirty="0" err="1"/>
+              <a:t>love</a:t>
+            </a:r>
+            <a:r>
+              <a:rPr lang="de-DE" dirty="0"/>
+              <a:t> and </a:t>
+            </a:r>
+            <a:r>
+              <a:rPr lang="de-DE" dirty="0" err="1"/>
+              <a:t>surprise</a:t>
+            </a:r>
+            <a:r>
+              <a:rPr lang="de-DE" dirty="0"/>
+              <a:t> </a:t>
+            </a:r>
+            <a:r>
+              <a:rPr lang="de-DE" dirty="0" err="1"/>
+              <a:t>from</a:t>
+            </a:r>
+            <a:r>
+              <a:rPr lang="de-DE" dirty="0"/>
+              <a:t> CARER </a:t>
+            </a:r>
+            <a:r>
+              <a:rPr lang="de-DE" dirty="0" err="1"/>
+              <a:t>dataset</a:t>
+            </a:r>
+            <a:endParaRPr lang="de-DE" dirty="0"/>
+          </a:p>
+          <a:p>
+            <a:pPr marL="285750" indent="-285750">
+              <a:buFont typeface="Symbol" panose="05050102010706020507" pitchFamily="18" charset="2"/>
+              <a:buChar char="-"/>
+            </a:pPr>
+            <a:r>
+              <a:rPr lang="de-DE" dirty="0" err="1"/>
+              <a:t>remove</a:t>
+            </a:r>
+            <a:r>
+              <a:rPr lang="de-DE" dirty="0"/>
+              <a:t> </a:t>
+            </a:r>
+            <a:r>
+              <a:rPr lang="de-DE" dirty="0" err="1"/>
+              <a:t>disgust</a:t>
+            </a:r>
+            <a:r>
+              <a:rPr lang="de-DE" dirty="0"/>
+              <a:t> </a:t>
+            </a:r>
+            <a:r>
+              <a:rPr lang="de-DE" dirty="0" err="1"/>
+              <a:t>from</a:t>
+            </a:r>
+            <a:r>
+              <a:rPr lang="de-DE" dirty="0"/>
+              <a:t> CREMA-D </a:t>
+            </a:r>
+            <a:r>
+              <a:rPr lang="de-DE" dirty="0" err="1"/>
+              <a:t>dataset</a:t>
+            </a:r>
+            <a:endParaRPr lang="de-DE" dirty="0"/>
+          </a:p>
+        </p:txBody>
+      </p:sp>
     </p:spTree>
     <p:extLst>
       <p:ext uri="{BB962C8B-B14F-4D97-AF65-F5344CB8AC3E}">
@@ -5330,7 +5964,139 @@
 </p:sld>
 </file>
 
-<file path=ppt/slides/slide13.xml><?xml version="1.0" encoding="utf-8"?>
+<file path=ppt/slides/slide15.xml><?xml version="1.0" encoding="utf-8"?>
+<p:sld xmlns:a="http://schemas.openxmlformats.org/drawingml/2006/main" xmlns:r="http://schemas.openxmlformats.org/officeDocument/2006/relationships" xmlns:p="http://schemas.openxmlformats.org/presentationml/2006/main">
+  <p:cSld>
+    <p:spTree>
+      <p:nvGrpSpPr>
+        <p:cNvPr id="1" name=""/>
+        <p:cNvGrpSpPr/>
+        <p:nvPr/>
+      </p:nvGrpSpPr>
+      <p:grpSpPr>
+        <a:xfrm>
+          <a:off x="0" y="0"/>
+          <a:ext cx="0" cy="0"/>
+          <a:chOff x="0" y="0"/>
+          <a:chExt cx="0" cy="0"/>
+        </a:xfrm>
+      </p:grpSpPr>
+      <p:sp>
+        <p:nvSpPr>
+          <p:cNvPr id="2" name="Titel 1">
+            <a:extLst>
+              <a:ext uri="{FF2B5EF4-FFF2-40B4-BE49-F238E27FC236}">
+                <a16:creationId xmlns:a16="http://schemas.microsoft.com/office/drawing/2014/main" id="{9DAAB424-6FF1-5CFB-6766-6AF0FAA50048}"/>
+              </a:ext>
+            </a:extLst>
+          </p:cNvPr>
+          <p:cNvSpPr>
+            <a:spLocks noGrp="1"/>
+          </p:cNvSpPr>
+          <p:nvPr>
+            <p:ph type="title"/>
+          </p:nvPr>
+        </p:nvSpPr>
+        <p:spPr/>
+        <p:txBody>
+          <a:bodyPr/>
+          <a:lstStyle/>
+          <a:p>
+            <a:r>
+              <a:rPr lang="de-DE" dirty="0" err="1"/>
+              <a:t>Preprocessing</a:t>
+            </a:r>
+            <a:r>
+              <a:rPr lang="de-DE" dirty="0"/>
+              <a:t> </a:t>
+            </a:r>
+            <a:r>
+              <a:rPr lang="de-DE" dirty="0" err="1"/>
+              <a:t>steps</a:t>
+            </a:r>
+            <a:endParaRPr lang="de-DE" dirty="0"/>
+          </a:p>
+        </p:txBody>
+      </p:sp>
+      <p:sp>
+        <p:nvSpPr>
+          <p:cNvPr id="3" name="Inhaltsplatzhalter 2">
+            <a:extLst>
+              <a:ext uri="{FF2B5EF4-FFF2-40B4-BE49-F238E27FC236}">
+                <a16:creationId xmlns:a16="http://schemas.microsoft.com/office/drawing/2014/main" id="{E3438E6E-574E-2CDA-FF94-A7E2917B67A7}"/>
+              </a:ext>
+            </a:extLst>
+          </p:cNvPr>
+          <p:cNvSpPr>
+            <a:spLocks noGrp="1"/>
+          </p:cNvSpPr>
+          <p:nvPr>
+            <p:ph sz="quarter" idx="10"/>
+          </p:nvPr>
+        </p:nvSpPr>
+        <p:spPr/>
+        <p:txBody>
+          <a:bodyPr/>
+          <a:lstStyle/>
+          <a:p>
+            <a:pPr marL="342900" indent="-342900">
+              <a:buFont typeface="+mj-lt"/>
+              <a:buAutoNum type="arabicPeriod"/>
+            </a:pPr>
+            <a:r>
+              <a:rPr lang="de-DE" dirty="0" err="1"/>
+              <a:t>remove</a:t>
+            </a:r>
+            <a:r>
+              <a:rPr lang="de-DE" dirty="0"/>
+              <a:t> </a:t>
+            </a:r>
+            <a:r>
+              <a:rPr lang="de-DE" dirty="0" err="1"/>
+              <a:t>love</a:t>
+            </a:r>
+            <a:r>
+              <a:rPr lang="de-DE" dirty="0"/>
+              <a:t> and </a:t>
+            </a:r>
+            <a:r>
+              <a:rPr lang="de-DE" dirty="0" err="1"/>
+              <a:t>surprise</a:t>
+            </a:r>
+            <a:r>
+              <a:rPr lang="de-DE" dirty="0"/>
+              <a:t> </a:t>
+            </a:r>
+            <a:r>
+              <a:rPr lang="de-DE" dirty="0" err="1"/>
+              <a:t>from</a:t>
+            </a:r>
+            <a:r>
+              <a:rPr lang="de-DE" dirty="0"/>
+              <a:t> CARER </a:t>
+            </a:r>
+            <a:r>
+              <a:rPr lang="de-DE" dirty="0" err="1"/>
+              <a:t>dataset</a:t>
+            </a:r>
+            <a:endParaRPr lang="de-DE" dirty="0"/>
+          </a:p>
+        </p:txBody>
+      </p:sp>
+    </p:spTree>
+    <p:extLst>
+      <p:ext uri="{BB962C8B-B14F-4D97-AF65-F5344CB8AC3E}">
+        <p14:creationId xmlns:p14="http://schemas.microsoft.com/office/powerpoint/2010/main" val="4165295789"/>
+      </p:ext>
+    </p:extLst>
+  </p:cSld>
+  <p:clrMapOvr>
+    <a:masterClrMapping/>
+  </p:clrMapOvr>
+</p:sld>
+</file>
+
+<file path=ppt/slides/slide16.xml><?xml version="1.0" encoding="utf-8"?>
 <p:sld xmlns:a="http://schemas.openxmlformats.org/drawingml/2006/main" xmlns:r="http://schemas.openxmlformats.org/officeDocument/2006/relationships" xmlns:p="http://schemas.openxmlformats.org/presentationml/2006/main">
   <p:cSld>
     <p:spTree>
@@ -5409,7 +6175,7 @@
 </p:sld>
 </file>
 
-<file path=ppt/slides/slide14.xml><?xml version="1.0" encoding="utf-8"?>
+<file path=ppt/slides/slide17.xml><?xml version="1.0" encoding="utf-8"?>
 <p:sld xmlns:a="http://schemas.openxmlformats.org/drawingml/2006/main" xmlns:r="http://schemas.openxmlformats.org/officeDocument/2006/relationships" xmlns:p="http://schemas.openxmlformats.org/presentationml/2006/main">
   <p:cSld>
     <p:spTree>
@@ -5766,7 +6532,7 @@
 </p:sld>
 </file>
 
-<file path=ppt/slides/slide15.xml><?xml version="1.0" encoding="utf-8"?>
+<file path=ppt/slides/slide18.xml><?xml version="1.0" encoding="utf-8"?>
 <p:sld xmlns:a="http://schemas.openxmlformats.org/drawingml/2006/main" xmlns:r="http://schemas.openxmlformats.org/officeDocument/2006/relationships" xmlns:p="http://schemas.openxmlformats.org/presentationml/2006/main">
   <p:cSld>
     <p:spTree>
@@ -5870,7 +6636,7 @@
 </p:sld>
 </file>
 
-<file path=ppt/slides/slide16.xml><?xml version="1.0" encoding="utf-8"?>
+<file path=ppt/slides/slide19.xml><?xml version="1.0" encoding="utf-8"?>
 <p:sld xmlns:a="http://schemas.openxmlformats.org/drawingml/2006/main" xmlns:r="http://schemas.openxmlformats.org/officeDocument/2006/relationships" xmlns:p="http://schemas.openxmlformats.org/presentationml/2006/main" show="0">
   <p:cSld>
     <p:spTree>
@@ -7062,6 +7828,12 @@
           </a:p>
           <a:p>
             <a:r>
+              <a:rPr lang="en-US" b="1" dirty="0"/>
+              <a:t>Historical Solutions</a:t>
+            </a:r>
+          </a:p>
+          <a:p>
+            <a:r>
               <a:rPr lang="en-US" b="1" noProof="0" dirty="0"/>
               <a:t>Idea</a:t>
             </a:r>
@@ -7330,7 +8102,13 @@
   <p:cSld>
     <p:spTree>
       <p:nvGrpSpPr>
-        <p:cNvPr id="1" name=""/>
+        <p:cNvPr id="1" name="">
+          <a:extLst>
+            <a:ext uri="{FF2B5EF4-FFF2-40B4-BE49-F238E27FC236}">
+              <a16:creationId xmlns:a16="http://schemas.microsoft.com/office/drawing/2014/main" id="{B246E7DC-2019-A9A3-1187-087B582B3BE2}"/>
+            </a:ext>
+          </a:extLst>
+        </p:cNvPr>
         <p:cNvGrpSpPr/>
         <p:nvPr/>
       </p:nvGrpSpPr>
@@ -7344,7 +8122,13 @@
       </p:grpSpPr>
       <p:sp>
         <p:nvSpPr>
-          <p:cNvPr id="2" name="Titel 1"/>
+          <p:cNvPr id="2" name="Titel 1">
+            <a:extLst>
+              <a:ext uri="{FF2B5EF4-FFF2-40B4-BE49-F238E27FC236}">
+                <a16:creationId xmlns:a16="http://schemas.microsoft.com/office/drawing/2014/main" id="{73DBE376-B539-F524-AD73-5D369DAA01B7}"/>
+              </a:ext>
+            </a:extLst>
+          </p:cNvPr>
           <p:cNvSpPr>
             <a:spLocks noGrp="1"/>
           </p:cNvSpPr>
@@ -7365,7 +8149,7 @@
                 </a:solidFill>
                 <a:latin typeface="+mj-lt"/>
               </a:rPr>
-              <a:t> Idea</a:t>
+              <a:t> Historical Solutions</a:t>
             </a:r>
             <a:br>
               <a:rPr lang="en-US" sz="3600" b="1" noProof="0" dirty="0">
@@ -7390,7 +8174,7 @@
     </p:custDataLst>
     <p:extLst>
       <p:ext uri="{BB962C8B-B14F-4D97-AF65-F5344CB8AC3E}">
-        <p14:creationId xmlns:p14="http://schemas.microsoft.com/office/powerpoint/2010/main" val="3236418151"/>
+        <p14:creationId xmlns:p14="http://schemas.microsoft.com/office/powerpoint/2010/main" val="4114541370"/>
       </p:ext>
     </p:extLst>
   </p:cSld>
@@ -7420,7 +8204,7 @@
         <p:cNvPr id="1" name="">
           <a:extLst>
             <a:ext uri="{FF2B5EF4-FFF2-40B4-BE49-F238E27FC236}">
-              <a16:creationId xmlns:a16="http://schemas.microsoft.com/office/drawing/2014/main" id="{CF63AB22-A1D5-B99E-4B40-130B0CC6931B}"/>
+              <a16:creationId xmlns:a16="http://schemas.microsoft.com/office/drawing/2014/main" id="{1116658F-9196-32DE-A92C-6E628658FB9B}"/>
             </a:ext>
           </a:extLst>
         </p:cNvPr>
@@ -7437,10 +8221,10 @@
       </p:grpSpPr>
       <p:sp>
         <p:nvSpPr>
-          <p:cNvPr id="2" name="Titel 1">
+          <p:cNvPr id="3" name="Titel 2">
             <a:extLst>
               <a:ext uri="{FF2B5EF4-FFF2-40B4-BE49-F238E27FC236}">
-                <a16:creationId xmlns:a16="http://schemas.microsoft.com/office/drawing/2014/main" id="{0A283EA1-2141-58AF-F604-976D5885388D}"/>
+                <a16:creationId xmlns:a16="http://schemas.microsoft.com/office/drawing/2014/main" id="{9208A52B-938A-AE3E-8515-D1BD16FF0796}"/>
               </a:ext>
             </a:extLst>
           </p:cNvPr>
@@ -7456,30 +8240,44 @@
           <a:bodyPr/>
           <a:lstStyle/>
           <a:p>
-            <a:pPr lvl="5"/>
-            <a:r>
-              <a:rPr lang="en-US" sz="3600" b="1" noProof="0" dirty="0">
-                <a:solidFill>
-                  <a:schemeClr val="bg1"/>
-                </a:solidFill>
-                <a:latin typeface="+mj-lt"/>
-              </a:rPr>
-              <a:t> Data Sets</a:t>
+            <a:r>
+              <a:rPr lang="en-US" dirty="0"/>
+              <a:t>What is the problem?</a:t>
             </a:r>
             <a:br>
-              <a:rPr lang="en-US" sz="3600" b="1" noProof="0" dirty="0">
-                <a:solidFill>
-                  <a:schemeClr val="bg1"/>
-                </a:solidFill>
-                <a:latin typeface="+mj-lt"/>
-              </a:rPr>
+              <a:rPr lang="en-US" noProof="0" dirty="0"/>
             </a:br>
-            <a:endParaRPr lang="en-US" sz="3600" noProof="0" dirty="0">
-              <a:solidFill>
-                <a:schemeClr val="bg1"/>
-              </a:solidFill>
-              <a:latin typeface="+mj-lt"/>
-            </a:endParaRPr>
+            <a:endParaRPr lang="en-US" b="0" noProof="0" dirty="0"/>
+          </a:p>
+        </p:txBody>
+      </p:sp>
+      <p:sp>
+        <p:nvSpPr>
+          <p:cNvPr id="2" name="Inhaltsplatzhalter 1">
+            <a:extLst>
+              <a:ext uri="{FF2B5EF4-FFF2-40B4-BE49-F238E27FC236}">
+                <a16:creationId xmlns:a16="http://schemas.microsoft.com/office/drawing/2014/main" id="{029C6F9F-64C7-DBDD-C78E-9DEF96AEB3BB}"/>
+              </a:ext>
+            </a:extLst>
+          </p:cNvPr>
+          <p:cNvSpPr>
+            <a:spLocks noGrp="1"/>
+          </p:cNvSpPr>
+          <p:nvPr>
+            <p:ph sz="quarter" idx="10"/>
+          </p:nvPr>
+        </p:nvSpPr>
+        <p:spPr>
+          <a:xfrm>
+            <a:off x="874711" y="1484313"/>
+            <a:ext cx="10580688" cy="4344987"/>
+          </a:xfrm>
+        </p:spPr>
+        <p:txBody>
+          <a:bodyPr/>
+          <a:lstStyle/>
+          <a:p>
+            <a:endParaRPr lang="en-US" noProof="0" dirty="0"/>
           </a:p>
         </p:txBody>
       </p:sp>
@@ -7489,7 +8287,7 @@
     </p:custDataLst>
     <p:extLst>
       <p:ext uri="{BB962C8B-B14F-4D97-AF65-F5344CB8AC3E}">
-        <p14:creationId xmlns:p14="http://schemas.microsoft.com/office/powerpoint/2010/main" val="867356304"/>
+        <p14:creationId xmlns:p14="http://schemas.microsoft.com/office/powerpoint/2010/main" val="3445243881"/>
       </p:ext>
     </p:extLst>
   </p:cSld>
@@ -7516,13 +8314,7 @@
   <p:cSld>
     <p:spTree>
       <p:nvGrpSpPr>
-        <p:cNvPr id="1" name="">
-          <a:extLst>
-            <a:ext uri="{FF2B5EF4-FFF2-40B4-BE49-F238E27FC236}">
-              <a16:creationId xmlns:a16="http://schemas.microsoft.com/office/drawing/2014/main" id="{BBFEBEFD-819B-B7DA-E26A-65574534EBEC}"/>
-            </a:ext>
-          </a:extLst>
-        </p:cNvPr>
+        <p:cNvPr id="1" name=""/>
         <p:cNvGrpSpPr/>
         <p:nvPr/>
       </p:nvGrpSpPr>
@@ -7536,13 +8328,7 @@
       </p:grpSpPr>
       <p:sp>
         <p:nvSpPr>
-          <p:cNvPr id="3" name="Titel 2">
-            <a:extLst>
-              <a:ext uri="{FF2B5EF4-FFF2-40B4-BE49-F238E27FC236}">
-                <a16:creationId xmlns:a16="http://schemas.microsoft.com/office/drawing/2014/main" id="{4E743B01-6FE5-0C1A-C7FF-B05BD6EEF692}"/>
-              </a:ext>
-            </a:extLst>
-          </p:cNvPr>
+          <p:cNvPr id="2" name="Titel 1"/>
           <p:cNvSpPr>
             <a:spLocks noGrp="1"/>
           </p:cNvSpPr>
@@ -7555,130 +8341,30 @@
           <a:bodyPr/>
           <a:lstStyle/>
           <a:p>
-            <a:r>
-              <a:rPr lang="en-US" dirty="0"/>
-              <a:t>Emotion Bearing Sentences for BERT</a:t>
+            <a:pPr lvl="5"/>
+            <a:r>
+              <a:rPr lang="en-US" sz="3600" b="1" noProof="0" dirty="0">
+                <a:solidFill>
+                  <a:schemeClr val="bg1"/>
+                </a:solidFill>
+                <a:latin typeface="+mj-lt"/>
+              </a:rPr>
+              <a:t> Idea</a:t>
             </a:r>
             <a:br>
-              <a:rPr lang="en-US" noProof="0" dirty="0"/>
+              <a:rPr lang="en-US" sz="3600" b="1" noProof="0" dirty="0">
+                <a:solidFill>
+                  <a:schemeClr val="bg1"/>
+                </a:solidFill>
+                <a:latin typeface="+mj-lt"/>
+              </a:rPr>
             </a:br>
-            <a:endParaRPr lang="en-US" b="0" noProof="0" dirty="0"/>
-          </a:p>
-        </p:txBody>
-      </p:sp>
-      <p:sp>
-        <p:nvSpPr>
-          <p:cNvPr id="2" name="Inhaltsplatzhalter 1">
-            <a:extLst>
-              <a:ext uri="{FF2B5EF4-FFF2-40B4-BE49-F238E27FC236}">
-                <a16:creationId xmlns:a16="http://schemas.microsoft.com/office/drawing/2014/main" id="{AA6F6670-AF24-C1F0-70C1-82EC1C29E89A}"/>
-              </a:ext>
-            </a:extLst>
-          </p:cNvPr>
-          <p:cNvSpPr>
-            <a:spLocks noGrp="1"/>
-          </p:cNvSpPr>
-          <p:nvPr>
-            <p:ph sz="quarter" idx="10"/>
-          </p:nvPr>
-        </p:nvSpPr>
-        <p:spPr>
-          <a:xfrm>
-            <a:off x="874711" y="1484313"/>
-            <a:ext cx="10580688" cy="4344987"/>
-          </a:xfrm>
-        </p:spPr>
-        <p:txBody>
-          <a:bodyPr/>
-          <a:lstStyle/>
-          <a:p>
-            <a:r>
-              <a:rPr lang="en-US" noProof="0" dirty="0"/>
-              <a:t>Source:</a:t>
-            </a:r>
-          </a:p>
-          <a:p>
-            <a:pPr marL="285750" indent="-285750">
-              <a:buFont typeface="Symbol" panose="05050102010706020507" pitchFamily="18" charset="2"/>
-              <a:buChar char="-"/>
-            </a:pPr>
-            <a:r>
-              <a:rPr lang="en-US" noProof="0" dirty="0"/>
-              <a:t>Saravia et al.: CARER: Contextualized Affect Representations for Emotion </a:t>
-            </a:r>
-            <a:r>
-              <a:rPr lang="en-US" dirty="0"/>
-              <a:t>Recognition, EMNLP 2018. </a:t>
-            </a:r>
-            <a:br>
-              <a:rPr lang="en-US" dirty="0"/>
-            </a:br>
-            <a:r>
-              <a:rPr lang="en-US" dirty="0"/>
-              <a:t>Paper: </a:t>
-            </a:r>
-            <a:r>
-              <a:rPr lang="en-US" noProof="0" dirty="0">
-                <a:hlinkClick r:id="rId4"/>
-              </a:rPr>
-              <a:t>https://aclanthology.org/D18-1404</a:t>
-            </a:r>
-            <a:br>
-              <a:rPr lang="en-US" dirty="0"/>
-            </a:br>
-            <a:r>
-              <a:rPr lang="en-US" dirty="0"/>
-              <a:t>Dataset: </a:t>
-            </a:r>
-            <a:r>
-              <a:rPr lang="en-US" i="1" dirty="0">
-                <a:hlinkClick r:id="rId5"/>
-              </a:rPr>
-              <a:t>https://github.com/dair-ai/emotion_dataset?tab=readme-ov-file</a:t>
-            </a:r>
-            <a:r>
-              <a:rPr lang="en-US" i="1" dirty="0"/>
-              <a:t> </a:t>
-            </a:r>
-          </a:p>
-          <a:p>
-            <a:endParaRPr lang="en-US" noProof="0" dirty="0"/>
-          </a:p>
-          <a:p>
-            <a:r>
-              <a:rPr lang="en-US" noProof="0" dirty="0"/>
-              <a:t>Content:</a:t>
-            </a:r>
-          </a:p>
-          <a:p>
-            <a:pPr marL="285750" indent="-285750">
-              <a:buFont typeface="Symbol" panose="05050102010706020507" pitchFamily="18" charset="2"/>
-              <a:buChar char="-"/>
-            </a:pPr>
-            <a:r>
-              <a:rPr lang="en-US" dirty="0"/>
-              <a:t>416809 emotion bearing sentences with annotated emotion</a:t>
-            </a:r>
-          </a:p>
-          <a:p>
-            <a:pPr marL="285750" indent="-285750">
-              <a:buFont typeface="Symbol" panose="05050102010706020507" pitchFamily="18" charset="2"/>
-              <a:buChar char="-"/>
-            </a:pPr>
-            <a:r>
-              <a:rPr lang="en-US" dirty="0"/>
-              <a:t>emotions: anger, fear, joy, love, sadness and surprise</a:t>
-            </a:r>
-          </a:p>
-          <a:p>
-            <a:pPr marL="285750" indent="-285750">
-              <a:buFont typeface="Symbol" panose="05050102010706020507" pitchFamily="18" charset="2"/>
-              <a:buChar char="-"/>
-            </a:pPr>
-            <a:r>
-              <a:rPr lang="en-US" dirty="0"/>
-              <a:t>PKL file (Pickle)</a:t>
-            </a:r>
+            <a:endParaRPr lang="en-US" sz="3600" noProof="0" dirty="0">
+              <a:solidFill>
+                <a:schemeClr val="bg1"/>
+              </a:solidFill>
+              <a:latin typeface="+mj-lt"/>
+            </a:endParaRPr>
           </a:p>
         </p:txBody>
       </p:sp>
@@ -7688,7 +8374,7 @@
     </p:custDataLst>
     <p:extLst>
       <p:ext uri="{BB962C8B-B14F-4D97-AF65-F5344CB8AC3E}">
-        <p14:creationId xmlns:p14="http://schemas.microsoft.com/office/powerpoint/2010/main" val="2640805714"/>
+        <p14:creationId xmlns:p14="http://schemas.microsoft.com/office/powerpoint/2010/main" val="3236418151"/>
       </p:ext>
     </p:extLst>
   </p:cSld>
@@ -7718,7 +8404,7 @@
         <p:cNvPr id="1" name="">
           <a:extLst>
             <a:ext uri="{FF2B5EF4-FFF2-40B4-BE49-F238E27FC236}">
-              <a16:creationId xmlns:a16="http://schemas.microsoft.com/office/drawing/2014/main" id="{59D2934A-11BC-1329-DD97-549CBF993533}"/>
+              <a16:creationId xmlns:a16="http://schemas.microsoft.com/office/drawing/2014/main" id="{CF63AB22-A1D5-B99E-4B40-130B0CC6931B}"/>
             </a:ext>
           </a:extLst>
         </p:cNvPr>
@@ -7735,10 +8421,10 @@
       </p:grpSpPr>
       <p:sp>
         <p:nvSpPr>
-          <p:cNvPr id="3" name="Titel 2">
+          <p:cNvPr id="2" name="Titel 1">
             <a:extLst>
               <a:ext uri="{FF2B5EF4-FFF2-40B4-BE49-F238E27FC236}">
-                <a16:creationId xmlns:a16="http://schemas.microsoft.com/office/drawing/2014/main" id="{B2AD6459-0E86-A795-7DDF-7D11017B1F33}"/>
+                <a16:creationId xmlns:a16="http://schemas.microsoft.com/office/drawing/2014/main" id="{0A283EA1-2141-58AF-F604-976D5885388D}"/>
               </a:ext>
             </a:extLst>
           </p:cNvPr>
@@ -7754,114 +8440,30 @@
           <a:bodyPr/>
           <a:lstStyle/>
           <a:p>
-            <a:r>
-              <a:rPr lang="en-US" dirty="0"/>
-              <a:t>Emotional Speech Audios</a:t>
+            <a:pPr lvl="5"/>
+            <a:r>
+              <a:rPr lang="en-US" sz="3600" b="1" noProof="0" dirty="0">
+                <a:solidFill>
+                  <a:schemeClr val="bg1"/>
+                </a:solidFill>
+                <a:latin typeface="+mj-lt"/>
+              </a:rPr>
+              <a:t> Data Sets</a:t>
             </a:r>
             <a:br>
-              <a:rPr lang="en-US" noProof="0" dirty="0"/>
+              <a:rPr lang="en-US" sz="3600" b="1" noProof="0" dirty="0">
+                <a:solidFill>
+                  <a:schemeClr val="bg1"/>
+                </a:solidFill>
+                <a:latin typeface="+mj-lt"/>
+              </a:rPr>
             </a:br>
-            <a:endParaRPr lang="en-US" b="0" noProof="0" dirty="0"/>
-          </a:p>
-        </p:txBody>
-      </p:sp>
-      <p:sp>
-        <p:nvSpPr>
-          <p:cNvPr id="2" name="Inhaltsplatzhalter 1">
-            <a:extLst>
-              <a:ext uri="{FF2B5EF4-FFF2-40B4-BE49-F238E27FC236}">
-                <a16:creationId xmlns:a16="http://schemas.microsoft.com/office/drawing/2014/main" id="{8EE5F78C-293E-196B-9FC1-38AF8B74961A}"/>
-              </a:ext>
-            </a:extLst>
-          </p:cNvPr>
-          <p:cNvSpPr>
-            <a:spLocks noGrp="1"/>
-          </p:cNvSpPr>
-          <p:nvPr>
-            <p:ph sz="quarter" idx="10"/>
-          </p:nvPr>
-        </p:nvSpPr>
-        <p:spPr>
-          <a:xfrm>
-            <a:off x="874711" y="1484313"/>
-            <a:ext cx="10580688" cy="4344987"/>
-          </a:xfrm>
-        </p:spPr>
-        <p:txBody>
-          <a:bodyPr/>
-          <a:lstStyle/>
-          <a:p>
-            <a:r>
-              <a:rPr lang="en-US" noProof="0" dirty="0"/>
-              <a:t>Source:</a:t>
-            </a:r>
-          </a:p>
-          <a:p>
-            <a:pPr marL="285750" indent="-285750">
-              <a:buFont typeface="Symbol" panose="05050102010706020507" pitchFamily="18" charset="2"/>
-              <a:buChar char="-"/>
-            </a:pPr>
-            <a:r>
-              <a:rPr lang="en-US" noProof="0" dirty="0"/>
-              <a:t>Saravia et al.: CREMA-D (Crowd-sourced Emotional Multimodal Actors Dataset)</a:t>
-            </a:r>
-          </a:p>
-          <a:p>
-            <a:pPr marL="285750" indent="-285750">
-              <a:buFont typeface="Symbol" panose="05050102010706020507" pitchFamily="18" charset="2"/>
-              <a:buChar char="-"/>
-            </a:pPr>
-            <a:r>
-              <a:rPr lang="en-US" dirty="0"/>
-              <a:t>Dataset: </a:t>
-            </a:r>
-            <a:r>
-              <a:rPr lang="en-US" i="1" dirty="0">
-                <a:hlinkClick r:id="rId4"/>
-              </a:rPr>
-              <a:t>https://github.com/CheyneyComputerScience/CREMA-D</a:t>
-            </a:r>
-            <a:endParaRPr lang="en-US" i="1" dirty="0"/>
-          </a:p>
-          <a:p>
-            <a:endParaRPr lang="en-US" i="1" noProof="0" dirty="0"/>
-          </a:p>
-          <a:p>
-            <a:r>
-              <a:rPr lang="en-US" noProof="0" dirty="0"/>
-              <a:t>Content:</a:t>
-            </a:r>
-          </a:p>
-          <a:p>
-            <a:pPr marL="285750" indent="-285750">
-              <a:buFont typeface="Symbol" panose="05050102010706020507" pitchFamily="18" charset="2"/>
-              <a:buChar char="-"/>
-            </a:pPr>
-            <a:r>
-              <a:rPr lang="en-US" dirty="0"/>
-              <a:t>7442 emotion bearing sentences with annotated emotion</a:t>
-            </a:r>
-          </a:p>
-          <a:p>
-            <a:pPr marL="285750" indent="-285750">
-              <a:buFont typeface="Symbol" panose="05050102010706020507" pitchFamily="18" charset="2"/>
-              <a:buChar char="-"/>
-            </a:pPr>
-            <a:r>
-              <a:rPr lang="en-US" dirty="0"/>
-              <a:t>emotions: anger, disgust, fear, happy, neutral and sad</a:t>
-            </a:r>
-          </a:p>
-          <a:p>
-            <a:pPr marL="285750" indent="-285750">
-              <a:buFont typeface="Symbol" panose="05050102010706020507" pitchFamily="18" charset="2"/>
-              <a:buChar char="-"/>
-            </a:pPr>
-            <a:r>
-              <a:rPr lang="en-US"/>
-              <a:t>wav files</a:t>
-            </a:r>
-            <a:endParaRPr lang="en-US" dirty="0"/>
+            <a:endParaRPr lang="en-US" sz="3600" noProof="0" dirty="0">
+              <a:solidFill>
+                <a:schemeClr val="bg1"/>
+              </a:solidFill>
+              <a:latin typeface="+mj-lt"/>
+            </a:endParaRPr>
           </a:p>
         </p:txBody>
       </p:sp>
@@ -7871,7 +8473,7 @@
     </p:custDataLst>
     <p:extLst>
       <p:ext uri="{BB962C8B-B14F-4D97-AF65-F5344CB8AC3E}">
-        <p14:creationId xmlns:p14="http://schemas.microsoft.com/office/powerpoint/2010/main" val="2199220915"/>
+        <p14:creationId xmlns:p14="http://schemas.microsoft.com/office/powerpoint/2010/main" val="867356304"/>
       </p:ext>
     </p:extLst>
   </p:cSld>
@@ -7901,7 +8503,7 @@
         <p:cNvPr id="1" name="">
           <a:extLst>
             <a:ext uri="{FF2B5EF4-FFF2-40B4-BE49-F238E27FC236}">
-              <a16:creationId xmlns:a16="http://schemas.microsoft.com/office/drawing/2014/main" id="{AC43037C-86F3-F951-6085-2535CF887174}"/>
+              <a16:creationId xmlns:a16="http://schemas.microsoft.com/office/drawing/2014/main" id="{BBFEBEFD-819B-B7DA-E26A-65574534EBEC}"/>
             </a:ext>
           </a:extLst>
         </p:cNvPr>
@@ -7918,10 +8520,10 @@
       </p:grpSpPr>
       <p:sp>
         <p:nvSpPr>
-          <p:cNvPr id="2" name="Titel 1">
+          <p:cNvPr id="3" name="Titel 2">
             <a:extLst>
               <a:ext uri="{FF2B5EF4-FFF2-40B4-BE49-F238E27FC236}">
-                <a16:creationId xmlns:a16="http://schemas.microsoft.com/office/drawing/2014/main" id="{51B2D735-329B-7365-6971-B908746DEFEC}"/>
+                <a16:creationId xmlns:a16="http://schemas.microsoft.com/office/drawing/2014/main" id="{4E743B01-6FE5-0C1A-C7FF-B05BD6EEF692}"/>
               </a:ext>
             </a:extLst>
           </p:cNvPr>
@@ -7937,30 +8539,130 @@
           <a:bodyPr/>
           <a:lstStyle/>
           <a:p>
-            <a:pPr lvl="5"/>
-            <a:r>
-              <a:rPr lang="en-US" sz="3600" b="1" noProof="0" dirty="0">
-                <a:solidFill>
-                  <a:schemeClr val="bg1"/>
-                </a:solidFill>
-                <a:latin typeface="+mj-lt"/>
+            <a:r>
+              <a:rPr lang="en-US" dirty="0"/>
+              <a:t>Emotion Bearing Sentences for BERT</a:t>
+            </a:r>
+            <a:br>
+              <a:rPr lang="en-US" noProof="0" dirty="0"/>
+            </a:br>
+            <a:endParaRPr lang="en-US" b="0" noProof="0" dirty="0"/>
+          </a:p>
+        </p:txBody>
+      </p:sp>
+      <p:sp>
+        <p:nvSpPr>
+          <p:cNvPr id="2" name="Inhaltsplatzhalter 1">
+            <a:extLst>
+              <a:ext uri="{FF2B5EF4-FFF2-40B4-BE49-F238E27FC236}">
+                <a16:creationId xmlns:a16="http://schemas.microsoft.com/office/drawing/2014/main" id="{AA6F6670-AF24-C1F0-70C1-82EC1C29E89A}"/>
+              </a:ext>
+            </a:extLst>
+          </p:cNvPr>
+          <p:cNvSpPr>
+            <a:spLocks noGrp="1"/>
+          </p:cNvSpPr>
+          <p:nvPr>
+            <p:ph sz="quarter" idx="10"/>
+          </p:nvPr>
+        </p:nvSpPr>
+        <p:spPr>
+          <a:xfrm>
+            <a:off x="874711" y="1484313"/>
+            <a:ext cx="10580688" cy="4344987"/>
+          </a:xfrm>
+        </p:spPr>
+        <p:txBody>
+          <a:bodyPr/>
+          <a:lstStyle/>
+          <a:p>
+            <a:r>
+              <a:rPr lang="en-US" noProof="0" dirty="0"/>
+              <a:t>Source:</a:t>
+            </a:r>
+          </a:p>
+          <a:p>
+            <a:pPr marL="285750" indent="-285750">
+              <a:buFont typeface="Symbol" panose="05050102010706020507" pitchFamily="18" charset="2"/>
+              <a:buChar char="-"/>
+            </a:pPr>
+            <a:r>
+              <a:rPr lang="en-US" noProof="0" dirty="0"/>
+              <a:t>Saravia et al.: CARER: Contextualized Affect Representations for Emotion </a:t>
+            </a:r>
+            <a:r>
+              <a:rPr lang="en-US" dirty="0"/>
+              <a:t>Recognition, EMNLP 2018. </a:t>
+            </a:r>
+            <a:br>
+              <a:rPr lang="en-US" dirty="0"/>
+            </a:br>
+            <a:r>
+              <a:rPr lang="en-US" dirty="0"/>
+              <a:t>Paper: </a:t>
+            </a:r>
+            <a:r>
+              <a:rPr lang="en-US" noProof="0" dirty="0">
+                <a:hlinkClick r:id="rId4"/>
               </a:rPr>
-              <a:t> Preprocessing</a:t>
+              <a:t>https://aclanthology.org/D18-1404</a:t>
             </a:r>
             <a:br>
-              <a:rPr lang="en-US" sz="3600" b="1" noProof="0" dirty="0">
-                <a:solidFill>
-                  <a:schemeClr val="bg1"/>
-                </a:solidFill>
-                <a:latin typeface="+mj-lt"/>
+              <a:rPr lang="en-US" dirty="0"/>
+            </a:br>
+            <a:r>
+              <a:rPr lang="en-US" dirty="0"/>
+              <a:t>Dataset: </a:t>
+            </a:r>
+            <a:r>
+              <a:rPr lang="en-US" i="1" dirty="0">
+                <a:hlinkClick r:id="rId5"/>
               </a:rPr>
-            </a:br>
-            <a:endParaRPr lang="en-US" sz="3600" noProof="0" dirty="0">
-              <a:solidFill>
-                <a:schemeClr val="bg1"/>
-              </a:solidFill>
-              <a:latin typeface="+mj-lt"/>
-            </a:endParaRPr>
+              <a:t>https://github.com/dair-ai/emotion_dataset?tab=readme-ov-file</a:t>
+            </a:r>
+            <a:r>
+              <a:rPr lang="en-US" i="1" dirty="0"/>
+              <a:t> </a:t>
+            </a:r>
+          </a:p>
+          <a:p>
+            <a:endParaRPr lang="en-US" noProof="0" dirty="0"/>
+          </a:p>
+          <a:p>
+            <a:r>
+              <a:rPr lang="en-US" noProof="0" dirty="0"/>
+              <a:t>Content:</a:t>
+            </a:r>
+          </a:p>
+          <a:p>
+            <a:pPr marL="285750" indent="-285750">
+              <a:buFont typeface="Symbol" panose="05050102010706020507" pitchFamily="18" charset="2"/>
+              <a:buChar char="-"/>
+            </a:pPr>
+            <a:r>
+              <a:rPr lang="en-US" dirty="0"/>
+              <a:t>416809 emotion bearing sentences with annotated emotion</a:t>
+            </a:r>
+          </a:p>
+          <a:p>
+            <a:pPr marL="285750" indent="-285750">
+              <a:buFont typeface="Symbol" panose="05050102010706020507" pitchFamily="18" charset="2"/>
+              <a:buChar char="-"/>
+            </a:pPr>
+            <a:r>
+              <a:rPr lang="en-US" dirty="0"/>
+              <a:t>emotions: anger, fear, joy, love, sadness and surprise</a:t>
+            </a:r>
+          </a:p>
+          <a:p>
+            <a:pPr marL="285750" indent="-285750">
+              <a:buFont typeface="Symbol" panose="05050102010706020507" pitchFamily="18" charset="2"/>
+              <a:buChar char="-"/>
+            </a:pPr>
+            <a:r>
+              <a:rPr lang="en-US" dirty="0"/>
+              <a:t>PKL file (Pickle)</a:t>
+            </a:r>
           </a:p>
         </p:txBody>
       </p:sp>
@@ -7970,7 +8672,7 @@
     </p:custDataLst>
     <p:extLst>
       <p:ext uri="{BB962C8B-B14F-4D97-AF65-F5344CB8AC3E}">
-        <p14:creationId xmlns:p14="http://schemas.microsoft.com/office/powerpoint/2010/main" val="54798825"/>
+        <p14:creationId xmlns:p14="http://schemas.microsoft.com/office/powerpoint/2010/main" val="2640805714"/>
       </p:ext>
     </p:extLst>
   </p:cSld>
@@ -8011,6 +8713,18 @@
 </file>
 
 <file path=ppt/tags/tag12.xml><?xml version="1.0" encoding="utf-8"?>
+<p:tagLst xmlns:a="http://schemas.openxmlformats.org/drawingml/2006/main" xmlns:r="http://schemas.openxmlformats.org/officeDocument/2006/relationships" xmlns:p="http://schemas.openxmlformats.org/presentationml/2006/main">
+  <p:tag name="TIMING" val="|33.2|17"/>
+</p:tagLst>
+</file>
+
+<file path=ppt/tags/tag13.xml><?xml version="1.0" encoding="utf-8"?>
+<p:tagLst xmlns:a="http://schemas.openxmlformats.org/drawingml/2006/main" xmlns:r="http://schemas.openxmlformats.org/officeDocument/2006/relationships" xmlns:p="http://schemas.openxmlformats.org/presentationml/2006/main">
+  <p:tag name="TIMING" val="|33.2|17"/>
+</p:tagLst>
+</file>
+
+<file path=ppt/tags/tag14.xml><?xml version="1.0" encoding="utf-8"?>
 <p:tagLst xmlns:a="http://schemas.openxmlformats.org/drawingml/2006/main" xmlns:r="http://schemas.openxmlformats.org/officeDocument/2006/relationships" xmlns:p="http://schemas.openxmlformats.org/presentationml/2006/main">
   <p:tag name="TIMING" val="|33.2|17"/>
 </p:tagLst>
